--- a/Teaching/Courses/W23/CIS343/LectureNotes/cis343_ch7.pptx
+++ b/Teaching/Courses/W23/CIS343/LectureNotes/cis343_ch7.pptx
@@ -13759,11 +13759,11 @@
           <a:p>
             <a:pPr eaLnBrk="1" hangingPunct="1"/>
             <a:r>
-              <a:rPr lang="en-US" altLang="en-US" sz="2400" i="1"/>
+              <a:rPr lang="en-US" altLang="en-US" sz="2400" i="1" dirty="0"/>
               <a:t>Functional side effects:</a:t>
             </a:r>
             <a:r>
-              <a:rPr lang="en-US" altLang="en-US" sz="2400">
+              <a:rPr lang="en-US" altLang="en-US" sz="2400" dirty="0">
                 <a:solidFill>
                   <a:schemeClr val="tx2"/>
                 </a:solidFill>
@@ -13771,21 +13771,21 @@
               <a:t> </a:t>
             </a:r>
             <a:r>
-              <a:rPr lang="en-US" altLang="en-US" sz="2400"/>
+              <a:rPr lang="en-US" altLang="en-US" sz="2400" dirty="0"/>
               <a:t>when a function changes a two-way parameter or a non-local variable</a:t>
             </a:r>
           </a:p>
           <a:p>
             <a:pPr eaLnBrk="1" hangingPunct="1"/>
             <a:r>
-              <a:rPr lang="en-US" altLang="en-US" sz="2400"/>
+              <a:rPr lang="en-US" altLang="en-US" sz="2400" dirty="0"/>
               <a:t>Problem with functional side effects: </a:t>
             </a:r>
           </a:p>
           <a:p>
             <a:pPr lvl="1" eaLnBrk="1" hangingPunct="1"/>
             <a:r>
-              <a:rPr lang="en-US" altLang="en-US" sz="2000"/>
+              <a:rPr lang="en-US" altLang="en-US" sz="2000" dirty="0"/>
               <a:t>When a function referenced in an expression alters another operand of the expression; e.g., for a parameter change: </a:t>
             </a:r>
           </a:p>
@@ -13795,11 +13795,11 @@
               <a:buNone/>
             </a:pPr>
             <a:r>
-              <a:rPr lang="en-US" altLang="en-US" sz="2400"/>
+              <a:rPr lang="en-US" altLang="en-US" sz="2400" dirty="0"/>
               <a:t>         </a:t>
             </a:r>
             <a:r>
-              <a:rPr lang="en-US" altLang="en-US" sz="2000">
+              <a:rPr lang="en-US" altLang="en-US" sz="2000" dirty="0">
                 <a:latin typeface="Courier New" panose="02070309020205020404" pitchFamily="49" charset="0"/>
                 <a:cs typeface="Courier New" panose="02070309020205020404" pitchFamily="49" charset="0"/>
               </a:rPr>
@@ -13812,7 +13812,7 @@
               <a:buNone/>
             </a:pPr>
             <a:r>
-              <a:rPr lang="en-US" altLang="en-US" sz="2000">
+              <a:rPr lang="en-US" altLang="en-US" sz="2000" dirty="0">
                 <a:latin typeface="Courier New" panose="02070309020205020404" pitchFamily="49" charset="0"/>
                 <a:cs typeface="Courier New" panose="02070309020205020404" pitchFamily="49" charset="0"/>
               </a:rPr>
@@ -13825,14 +13825,14 @@
               <a:buNone/>
             </a:pPr>
             <a:r>
-              <a:rPr lang="en-US" altLang="en-US" sz="2000">
+              <a:rPr lang="en-US" altLang="en-US" sz="2000" dirty="0">
                 <a:latin typeface="Courier New" panose="02070309020205020404" pitchFamily="49" charset="0"/>
                 <a:cs typeface="Courier New" panose="02070309020205020404" pitchFamily="49" charset="0"/>
               </a:rPr>
               <a:t>		b = a + fun(&amp;a);</a:t>
             </a:r>
             <a:r>
-              <a:rPr lang="en-US" altLang="en-US" sz="2000" b="1">
+              <a:rPr lang="en-US" altLang="en-US" sz="2000" b="1" dirty="0">
                 <a:latin typeface="Courier New" panose="02070309020205020404" pitchFamily="49" charset="0"/>
                 <a:cs typeface="Courier New" panose="02070309020205020404" pitchFamily="49" charset="0"/>
               </a:rPr>
@@ -13845,7 +13845,7 @@
               <a:buNone/>
             </a:pPr>
             <a:r>
-              <a:rPr lang="en-US" altLang="en-US" sz="2400" b="1">
+              <a:rPr lang="en-US" altLang="en-US" sz="2400" b="1" dirty="0">
                 <a:latin typeface="Courier New" panose="02070309020205020404" pitchFamily="49" charset="0"/>
               </a:rPr>
               <a:t>    </a:t>
